--- a/rcelestre/SRW_source_calc_45min.pptx
+++ b/rcelestre/SRW_source_calc_45min.pptx
@@ -5490,8 +5490,8 @@
           </a:p>
         </p:txBody>
       </p:sp>
-      <mc:AlternateContent xmlns:mc="http://schemas.openxmlformats.org/markup-compatibility/2006">
-        <mc:Choice xmlns:a14="http://schemas.microsoft.com/office/drawing/2010/main" Requires="a14">
+      <mc:AlternateContent xmlns:mc="http://schemas.openxmlformats.org/markup-compatibility/2006" xmlns:a14="http://schemas.microsoft.com/office/drawing/2010/main">
+        <mc:Choice Requires="a14">
           <p:sp>
             <p:nvSpPr>
               <p:cNvPr id="6" name="TextBox 5">
@@ -5940,7 +5940,7 @@
                     <m:sSub>
                       <m:sSubPr>
                         <m:ctrlPr>
-                          <a:rPr lang="fr-FR" sz="1600" b="0" i="0" kern="1200" smtClean="0">
+                          <a:rPr lang="fr-FR" sz="1600" b="0" i="1" kern="1200" smtClean="0">
                             <a:solidFill>
                               <a:srgbClr val="254061"/>
                             </a:solidFill>
@@ -6487,7 +6487,7 @@
             </p:txBody>
           </p:sp>
         </mc:Choice>
-        <mc:Fallback>
+        <mc:Fallback xmlns="">
           <p:sp>
             <p:nvSpPr>
               <p:cNvPr id="6" name="TextBox 5">
@@ -7128,8 +7128,8 @@
           </a:p>
         </p:txBody>
       </p:sp>
-      <mc:AlternateContent xmlns:mc="http://schemas.openxmlformats.org/markup-compatibility/2006">
-        <mc:Choice xmlns:a14="http://schemas.microsoft.com/office/drawing/2010/main" Requires="a14">
+      <mc:AlternateContent xmlns:mc="http://schemas.openxmlformats.org/markup-compatibility/2006" xmlns:a14="http://schemas.microsoft.com/office/drawing/2010/main">
+        <mc:Choice Requires="a14">
           <p:sp>
             <p:nvSpPr>
               <p:cNvPr id="3" name="TextBox 2">
@@ -8044,7 +8044,7 @@
                     <m:sSup>
                       <m:sSupPr>
                         <m:ctrlPr>
-                          <a:rPr lang="fr-FR" sz="1600" b="0" i="0" smtClean="0">
+                          <a:rPr lang="fr-FR" sz="1600" b="0" i="1" smtClean="0">
                             <a:solidFill>
                               <a:srgbClr val="254061"/>
                             </a:solidFill>
@@ -9165,7 +9165,7 @@
             </p:txBody>
           </p:sp>
         </mc:Choice>
-        <mc:Fallback>
+        <mc:Fallback xmlns="">
           <p:sp>
             <p:nvSpPr>
               <p:cNvPr id="3" name="TextBox 2">
@@ -9317,6 +9317,183 @@
   <p:clrMapOvr>
     <a:masterClrMapping/>
   </p:clrMapOvr>
+  <p:timing>
+    <p:tnLst>
+      <p:par>
+        <p:cTn id="1" dur="indefinite" restart="never" nodeType="tmRoot">
+          <p:childTnLst>
+            <p:seq concurrent="1" nextAc="seek">
+              <p:cTn id="2" dur="indefinite" nodeType="mainSeq">
+                <p:childTnLst>
+                  <p:par>
+                    <p:cTn id="3" fill="hold">
+                      <p:stCondLst>
+                        <p:cond delay="indefinite"/>
+                      </p:stCondLst>
+                      <p:childTnLst>
+                        <p:par>
+                          <p:cTn id="4" fill="hold">
+                            <p:stCondLst>
+                              <p:cond delay="0"/>
+                            </p:stCondLst>
+                            <p:childTnLst>
+                              <p:par>
+                                <p:cTn id="5" presetID="10" presetClass="entr" presetSubtype="0" fill="hold" nodeType="clickEffect">
+                                  <p:stCondLst>
+                                    <p:cond delay="0"/>
+                                  </p:stCondLst>
+                                  <p:childTnLst>
+                                    <p:set>
+                                      <p:cBhvr>
+                                        <p:cTn id="6" dur="1" fill="hold">
+                                          <p:stCondLst>
+                                            <p:cond delay="0"/>
+                                          </p:stCondLst>
+                                        </p:cTn>
+                                        <p:tgtEl>
+                                          <p:spTgt spid="3">
+                                            <p:txEl>
+                                              <p:pRg st="5" end="5"/>
+                                            </p:txEl>
+                                          </p:spTgt>
+                                        </p:tgtEl>
+                                        <p:attrNameLst>
+                                          <p:attrName>style.visibility</p:attrName>
+                                        </p:attrNameLst>
+                                      </p:cBhvr>
+                                      <p:to>
+                                        <p:strVal val="visible"/>
+                                      </p:to>
+                                    </p:set>
+                                    <p:animEffect transition="in" filter="fade">
+                                      <p:cBhvr>
+                                        <p:cTn id="7" dur="500"/>
+                                        <p:tgtEl>
+                                          <p:spTgt spid="3">
+                                            <p:txEl>
+                                              <p:pRg st="5" end="5"/>
+                                            </p:txEl>
+                                          </p:spTgt>
+                                        </p:tgtEl>
+                                      </p:cBhvr>
+                                    </p:animEffect>
+                                  </p:childTnLst>
+                                </p:cTn>
+                              </p:par>
+                              <p:par>
+                                <p:cTn id="8" presetID="10" presetClass="entr" presetSubtype="0" fill="hold" nodeType="withEffect">
+                                  <p:stCondLst>
+                                    <p:cond delay="0"/>
+                                  </p:stCondLst>
+                                  <p:childTnLst>
+                                    <p:set>
+                                      <p:cBhvr>
+                                        <p:cTn id="9" dur="1" fill="hold">
+                                          <p:stCondLst>
+                                            <p:cond delay="0"/>
+                                          </p:stCondLst>
+                                        </p:cTn>
+                                        <p:tgtEl>
+                                          <p:spTgt spid="3">
+                                            <p:txEl>
+                                              <p:pRg st="7" end="7"/>
+                                            </p:txEl>
+                                          </p:spTgt>
+                                        </p:tgtEl>
+                                        <p:attrNameLst>
+                                          <p:attrName>style.visibility</p:attrName>
+                                        </p:attrNameLst>
+                                      </p:cBhvr>
+                                      <p:to>
+                                        <p:strVal val="visible"/>
+                                      </p:to>
+                                    </p:set>
+                                    <p:animEffect transition="in" filter="fade">
+                                      <p:cBhvr>
+                                        <p:cTn id="10" dur="500"/>
+                                        <p:tgtEl>
+                                          <p:spTgt spid="3">
+                                            <p:txEl>
+                                              <p:pRg st="7" end="7"/>
+                                            </p:txEl>
+                                          </p:spTgt>
+                                        </p:tgtEl>
+                                      </p:cBhvr>
+                                    </p:animEffect>
+                                  </p:childTnLst>
+                                </p:cTn>
+                              </p:par>
+                              <p:par>
+                                <p:cTn id="11" presetID="10" presetClass="entr" presetSubtype="0" fill="hold" nodeType="withEffect">
+                                  <p:stCondLst>
+                                    <p:cond delay="0"/>
+                                  </p:stCondLst>
+                                  <p:childTnLst>
+                                    <p:set>
+                                      <p:cBhvr>
+                                        <p:cTn id="12" dur="1" fill="hold">
+                                          <p:stCondLst>
+                                            <p:cond delay="0"/>
+                                          </p:stCondLst>
+                                        </p:cTn>
+                                        <p:tgtEl>
+                                          <p:spTgt spid="3">
+                                            <p:txEl>
+                                              <p:pRg st="8" end="8"/>
+                                            </p:txEl>
+                                          </p:spTgt>
+                                        </p:tgtEl>
+                                        <p:attrNameLst>
+                                          <p:attrName>style.visibility</p:attrName>
+                                        </p:attrNameLst>
+                                      </p:cBhvr>
+                                      <p:to>
+                                        <p:strVal val="visible"/>
+                                      </p:to>
+                                    </p:set>
+                                    <p:animEffect transition="in" filter="fade">
+                                      <p:cBhvr>
+                                        <p:cTn id="13" dur="500"/>
+                                        <p:tgtEl>
+                                          <p:spTgt spid="3">
+                                            <p:txEl>
+                                              <p:pRg st="8" end="8"/>
+                                            </p:txEl>
+                                          </p:spTgt>
+                                        </p:tgtEl>
+                                      </p:cBhvr>
+                                    </p:animEffect>
+                                  </p:childTnLst>
+                                </p:cTn>
+                              </p:par>
+                            </p:childTnLst>
+                          </p:cTn>
+                        </p:par>
+                      </p:childTnLst>
+                    </p:cTn>
+                  </p:par>
+                </p:childTnLst>
+              </p:cTn>
+              <p:prevCondLst>
+                <p:cond evt="onPrev" delay="0">
+                  <p:tgtEl>
+                    <p:sldTgt/>
+                  </p:tgtEl>
+                </p:cond>
+              </p:prevCondLst>
+              <p:nextCondLst>
+                <p:cond evt="onNext" delay="0">
+                  <p:tgtEl>
+                    <p:sldTgt/>
+                  </p:tgtEl>
+                </p:cond>
+              </p:nextCondLst>
+            </p:seq>
+          </p:childTnLst>
+        </p:cTn>
+      </p:par>
+    </p:tnLst>
+  </p:timing>
 </p:sld>
 </file>
 
@@ -9449,7 +9626,7 @@
             <p:spPr>
               <a:xfrm>
                 <a:off x="254000" y="855907"/>
-                <a:ext cx="8651875" cy="2944268"/>
+                <a:ext cx="8651875" cy="3719673"/>
               </a:xfrm>
               <a:prstGeom prst="rect">
                 <a:avLst/>
@@ -10348,7 +10525,7 @@
                     <m:sSup>
                       <m:sSupPr>
                         <m:ctrlPr>
-                          <a:rPr lang="fr-FR" sz="1600" b="0" i="0" smtClean="0">
+                          <a:rPr lang="fr-FR" sz="1600" b="0" i="1" smtClean="0">
                             <a:solidFill>
                               <a:srgbClr val="254061"/>
                             </a:solidFill>
@@ -10671,7 +10848,7 @@
                           <m:d>
                             <m:dPr>
                               <m:ctrlPr>
-                                <a:rPr lang="fr-FR" sz="1600" b="0" i="0" smtClean="0">
+                                <a:rPr lang="fr-FR" sz="1600" b="0" i="1" smtClean="0">
                                   <a:solidFill>
                                     <a:srgbClr val="376092"/>
                                   </a:solidFill>
@@ -10740,7 +10917,7 @@
                               </a:solidFill>
                               <a:latin typeface="Cambria Math" panose="02040503050406030204" pitchFamily="18" charset="0"/>
                             </a:rPr>
-                            <m:t>≈</m:t>
+                            <m:t>=</m:t>
                           </m:r>
                         </m:e>
                       </m:nary>
@@ -10933,8 +11110,682 @@
                             </a:rPr>
                             <m:t>+</m:t>
                           </m:r>
+                          <m:nary>
+                            <m:naryPr>
+                              <m:limLoc m:val="undOvr"/>
+                              <m:ctrlPr>
+                                <a:rPr lang="fr-FR" sz="1600" i="1">
+                                  <a:solidFill>
+                                    <a:srgbClr val="376092"/>
+                                  </a:solidFill>
+                                  <a:latin typeface="Cambria Math" panose="02040503050406030204" pitchFamily="18" charset="0"/>
+                                </a:rPr>
+                              </m:ctrlPr>
+                            </m:naryPr>
+                            <m:sub>
+                              <m:r>
+                                <a:rPr lang="fr-FR" sz="1600" b="0" i="1" smtClean="0">
+                                  <a:solidFill>
+                                    <a:srgbClr val="376092"/>
+                                  </a:solidFill>
+                                  <a:latin typeface="Cambria Math" panose="02040503050406030204" pitchFamily="18" charset="0"/>
+                                </a:rPr>
+                                <m:t>−∞</m:t>
+                              </m:r>
+                            </m:sub>
+                            <m:sup>
+                              <m:sSub>
+                                <m:sSubPr>
+                                  <m:ctrlPr>
+                                    <a:rPr lang="fr-FR" sz="1600" i="1">
+                                      <a:solidFill>
+                                        <a:srgbClr val="376092"/>
+                                      </a:solidFill>
+                                      <a:latin typeface="Cambria Math" panose="02040503050406030204" pitchFamily="18" charset="0"/>
+                                    </a:rPr>
+                                  </m:ctrlPr>
+                                </m:sSubPr>
+                                <m:e>
+                                  <m:r>
+                                    <a:rPr lang="fr-FR" sz="1600" i="1">
+                                      <a:solidFill>
+                                        <a:srgbClr val="376092"/>
+                                      </a:solidFill>
+                                      <a:latin typeface="Cambria Math" panose="02040503050406030204" pitchFamily="18" charset="0"/>
+                                    </a:rPr>
+                                    <m:t>𝑠</m:t>
+                                  </m:r>
+                                </m:e>
+                                <m:sub>
+                                  <m:r>
+                                    <a:rPr lang="fr-FR" sz="1600" b="0" i="1" smtClean="0">
+                                      <a:solidFill>
+                                        <a:srgbClr val="376092"/>
+                                      </a:solidFill>
+                                      <a:latin typeface="Cambria Math" panose="02040503050406030204" pitchFamily="18" charset="0"/>
+                                    </a:rPr>
+                                    <m:t>1</m:t>
+                                  </m:r>
+                                </m:sub>
+                              </m:sSub>
+                            </m:sup>
+                            <m:e>
+                              <m:r>
+                                <a:rPr lang="fr-FR" sz="1600" i="1">
+                                  <a:solidFill>
+                                    <a:srgbClr val="376092"/>
+                                  </a:solidFill>
+                                  <a:latin typeface="Cambria Math" panose="02040503050406030204" pitchFamily="18" charset="0"/>
+                                </a:rPr>
+                                <m:t>𝐹</m:t>
+                              </m:r>
+                              <m:r>
+                                <a:rPr lang="fr-FR" sz="1600">
+                                  <a:solidFill>
+                                    <a:srgbClr val="376092"/>
+                                  </a:solidFill>
+                                  <a:latin typeface="Cambria Math" panose="02040503050406030204" pitchFamily="18" charset="0"/>
+                                </a:rPr>
+                                <m:t> </m:t>
+                              </m:r>
+                              <m:r>
+                                <m:rPr>
+                                  <m:sty m:val="p"/>
+                                </m:rPr>
+                                <a:rPr lang="fr-FR" sz="1600">
+                                  <a:solidFill>
+                                    <a:srgbClr val="376092"/>
+                                  </a:solidFill>
+                                  <a:latin typeface="Cambria Math" panose="02040503050406030204" pitchFamily="18" charset="0"/>
+                                </a:rPr>
+                                <m:t>exp</m:t>
+                              </m:r>
+                              <m:d>
+                                <m:dPr>
+                                  <m:ctrlPr>
+                                    <a:rPr lang="fr-FR" sz="1600" i="1">
+                                      <a:solidFill>
+                                        <a:srgbClr val="376092"/>
+                                      </a:solidFill>
+                                      <a:latin typeface="Cambria Math" panose="02040503050406030204" pitchFamily="18" charset="0"/>
+                                    </a:rPr>
+                                  </m:ctrlPr>
+                                </m:dPr>
+                                <m:e>
+                                  <m:r>
+                                    <a:rPr lang="fr-FR" sz="1600" i="1">
+                                      <a:solidFill>
+                                        <a:srgbClr val="376092"/>
+                                      </a:solidFill>
+                                      <a:latin typeface="Cambria Math" panose="02040503050406030204" pitchFamily="18" charset="0"/>
+                                    </a:rPr>
+                                    <m:t>𝑖</m:t>
+                                  </m:r>
+                                  <m:r>
+                                    <m:rPr>
+                                      <m:sty m:val="p"/>
+                                    </m:rPr>
+                                    <a:rPr lang="fr-FR" sz="1600">
+                                      <a:solidFill>
+                                        <a:srgbClr val="376092"/>
+                                      </a:solidFill>
+                                      <a:latin typeface="Cambria Math" panose="02040503050406030204" pitchFamily="18" charset="0"/>
+                                    </a:rPr>
+                                    <m:t>Φ</m:t>
+                                  </m:r>
+                                </m:e>
+                              </m:d>
+                              <m:r>
+                                <a:rPr lang="fr-FR" sz="1600">
+                                  <a:solidFill>
+                                    <a:srgbClr val="376092"/>
+                                  </a:solidFill>
+                                  <a:latin typeface="Cambria Math" panose="02040503050406030204" pitchFamily="18" charset="0"/>
+                                </a:rPr>
+                                <m:t> </m:t>
+                              </m:r>
+                              <m:r>
+                                <m:rPr>
+                                  <m:sty m:val="p"/>
+                                </m:rPr>
+                                <a:rPr lang="fr-FR" sz="1600">
+                                  <a:solidFill>
+                                    <a:srgbClr val="376092"/>
+                                  </a:solidFill>
+                                  <a:latin typeface="Cambria Math" panose="02040503050406030204" pitchFamily="18" charset="0"/>
+                                </a:rPr>
+                                <m:t>d</m:t>
+                              </m:r>
+                              <m:r>
+                                <a:rPr lang="fr-FR" sz="1600" i="1">
+                                  <a:solidFill>
+                                    <a:srgbClr val="376092"/>
+                                  </a:solidFill>
+                                  <a:latin typeface="Cambria Math" panose="02040503050406030204" pitchFamily="18" charset="0"/>
+                                </a:rPr>
+                                <m:t>𝑠</m:t>
+                              </m:r>
+                              <m:r>
+                                <a:rPr lang="fr-FR" sz="1600" i="1">
+                                  <a:solidFill>
+                                    <a:srgbClr val="376092"/>
+                                  </a:solidFill>
+                                  <a:latin typeface="Cambria Math" panose="02040503050406030204" pitchFamily="18" charset="0"/>
+                                </a:rPr>
+                                <m:t>+</m:t>
+                              </m:r>
+                            </m:e>
+                          </m:nary>
+                          <m:nary>
+                            <m:naryPr>
+                              <m:limLoc m:val="undOvr"/>
+                              <m:ctrlPr>
+                                <a:rPr lang="fr-FR" sz="1600" i="1">
+                                  <a:solidFill>
+                                    <a:srgbClr val="376092"/>
+                                  </a:solidFill>
+                                  <a:latin typeface="Cambria Math" panose="02040503050406030204" pitchFamily="18" charset="0"/>
+                                </a:rPr>
+                              </m:ctrlPr>
+                            </m:naryPr>
+                            <m:sub>
+                              <m:sSub>
+                                <m:sSubPr>
+                                  <m:ctrlPr>
+                                    <a:rPr lang="fr-FR" sz="1600" i="1">
+                                      <a:solidFill>
+                                        <a:srgbClr val="376092"/>
+                                      </a:solidFill>
+                                      <a:latin typeface="Cambria Math" panose="02040503050406030204" pitchFamily="18" charset="0"/>
+                                    </a:rPr>
+                                  </m:ctrlPr>
+                                </m:sSubPr>
+                                <m:e>
+                                  <m:r>
+                                    <a:rPr lang="fr-FR" sz="1600" i="1">
+                                      <a:solidFill>
+                                        <a:srgbClr val="376092"/>
+                                      </a:solidFill>
+                                      <a:latin typeface="Cambria Math" panose="02040503050406030204" pitchFamily="18" charset="0"/>
+                                    </a:rPr>
+                                    <m:t>𝑠</m:t>
+                                  </m:r>
+                                </m:e>
+                                <m:sub>
+                                  <m:r>
+                                    <a:rPr lang="fr-FR" sz="1600" b="0" i="1" smtClean="0">
+                                      <a:solidFill>
+                                        <a:srgbClr val="376092"/>
+                                      </a:solidFill>
+                                      <a:latin typeface="Cambria Math" panose="02040503050406030204" pitchFamily="18" charset="0"/>
+                                    </a:rPr>
+                                    <m:t>2</m:t>
+                                  </m:r>
+                                </m:sub>
+                              </m:sSub>
+                            </m:sub>
+                            <m:sup>
+                              <m:r>
+                                <a:rPr lang="fr-FR" sz="1600" b="0" i="1" smtClean="0">
+                                  <a:solidFill>
+                                    <a:srgbClr val="376092"/>
+                                  </a:solidFill>
+                                  <a:latin typeface="Cambria Math" panose="02040503050406030204" pitchFamily="18" charset="0"/>
+                                </a:rPr>
+                                <m:t>+∞</m:t>
+                              </m:r>
+                            </m:sup>
+                            <m:e>
+                              <m:r>
+                                <a:rPr lang="fr-FR" sz="1600" i="1">
+                                  <a:solidFill>
+                                    <a:srgbClr val="376092"/>
+                                  </a:solidFill>
+                                  <a:latin typeface="Cambria Math" panose="02040503050406030204" pitchFamily="18" charset="0"/>
+                                </a:rPr>
+                                <m:t>𝐹</m:t>
+                              </m:r>
+                              <m:r>
+                                <a:rPr lang="fr-FR" sz="1600">
+                                  <a:solidFill>
+                                    <a:srgbClr val="376092"/>
+                                  </a:solidFill>
+                                  <a:latin typeface="Cambria Math" panose="02040503050406030204" pitchFamily="18" charset="0"/>
+                                </a:rPr>
+                                <m:t> </m:t>
+                              </m:r>
+                              <m:r>
+                                <m:rPr>
+                                  <m:sty m:val="p"/>
+                                </m:rPr>
+                                <a:rPr lang="fr-FR" sz="1600">
+                                  <a:solidFill>
+                                    <a:srgbClr val="376092"/>
+                                  </a:solidFill>
+                                  <a:latin typeface="Cambria Math" panose="02040503050406030204" pitchFamily="18" charset="0"/>
+                                </a:rPr>
+                                <m:t>exp</m:t>
+                              </m:r>
+                              <m:d>
+                                <m:dPr>
+                                  <m:ctrlPr>
+                                    <a:rPr lang="fr-FR" sz="1600" i="1">
+                                      <a:solidFill>
+                                        <a:srgbClr val="376092"/>
+                                      </a:solidFill>
+                                      <a:latin typeface="Cambria Math" panose="02040503050406030204" pitchFamily="18" charset="0"/>
+                                    </a:rPr>
+                                  </m:ctrlPr>
+                                </m:dPr>
+                                <m:e>
+                                  <m:r>
+                                    <a:rPr lang="fr-FR" sz="1600" i="1">
+                                      <a:solidFill>
+                                        <a:srgbClr val="376092"/>
+                                      </a:solidFill>
+                                      <a:latin typeface="Cambria Math" panose="02040503050406030204" pitchFamily="18" charset="0"/>
+                                    </a:rPr>
+                                    <m:t>𝑖</m:t>
+                                  </m:r>
+                                  <m:r>
+                                    <m:rPr>
+                                      <m:sty m:val="p"/>
+                                    </m:rPr>
+                                    <a:rPr lang="fr-FR" sz="1600">
+                                      <a:solidFill>
+                                        <a:srgbClr val="376092"/>
+                                      </a:solidFill>
+                                      <a:latin typeface="Cambria Math" panose="02040503050406030204" pitchFamily="18" charset="0"/>
+                                    </a:rPr>
+                                    <m:t>Φ</m:t>
+                                  </m:r>
+                                </m:e>
+                              </m:d>
+                              <m:r>
+                                <a:rPr lang="fr-FR" sz="1600">
+                                  <a:solidFill>
+                                    <a:srgbClr val="376092"/>
+                                  </a:solidFill>
+                                  <a:latin typeface="Cambria Math" panose="02040503050406030204" pitchFamily="18" charset="0"/>
+                                </a:rPr>
+                                <m:t> </m:t>
+                              </m:r>
+                              <m:r>
+                                <m:rPr>
+                                  <m:sty m:val="p"/>
+                                </m:rPr>
+                                <a:rPr lang="fr-FR" sz="1600">
+                                  <a:solidFill>
+                                    <a:srgbClr val="376092"/>
+                                  </a:solidFill>
+                                  <a:latin typeface="Cambria Math" panose="02040503050406030204" pitchFamily="18" charset="0"/>
+                                </a:rPr>
+                                <m:t>d</m:t>
+                              </m:r>
+                              <m:r>
+                                <a:rPr lang="fr-FR" sz="1600" i="1">
+                                  <a:solidFill>
+                                    <a:srgbClr val="376092"/>
+                                  </a:solidFill>
+                                  <a:latin typeface="Cambria Math" panose="02040503050406030204" pitchFamily="18" charset="0"/>
+                                </a:rPr>
+                                <m:t>𝑠</m:t>
+                              </m:r>
+                            </m:e>
+                          </m:nary>
                         </m:e>
                       </m:nary>
+                    </m:oMath>
+                  </m:oMathPara>
+                </a14:m>
+                <a:endParaRPr lang="en-GB" sz="1600" dirty="0">
+                  <a:solidFill>
+                    <a:srgbClr val="376092"/>
+                  </a:solidFill>
+                </a:endParaRPr>
+              </a:p>
+              <a:p>
+                <a:pPr algn="just" defTabSz="822960">
+                  <a:buClrTx/>
+                </a:pPr>
+                <a14:m>
+                  <m:oMathPara xmlns:m="http://schemas.openxmlformats.org/officeDocument/2006/math">
+                    <m:oMathParaPr>
+                      <m:jc m:val="centerGroup"/>
+                    </m:oMathParaPr>
+                    <m:oMath xmlns:m="http://schemas.openxmlformats.org/officeDocument/2006/math">
+                      <m:nary>
+                        <m:naryPr>
+                          <m:limLoc m:val="undOvr"/>
+                          <m:ctrlPr>
+                            <a:rPr lang="fr-FR" sz="1600" i="1">
+                              <a:solidFill>
+                                <a:srgbClr val="376092"/>
+                              </a:solidFill>
+                              <a:latin typeface="Cambria Math" panose="02040503050406030204" pitchFamily="18" charset="0"/>
+                            </a:rPr>
+                          </m:ctrlPr>
+                        </m:naryPr>
+                        <m:sub>
+                          <m:r>
+                            <a:rPr lang="fr-FR" sz="1600" i="1">
+                              <a:solidFill>
+                                <a:srgbClr val="376092"/>
+                              </a:solidFill>
+                              <a:latin typeface="Cambria Math" panose="02040503050406030204" pitchFamily="18" charset="0"/>
+                            </a:rPr>
+                            <m:t>−∞</m:t>
+                          </m:r>
+                        </m:sub>
+                        <m:sup>
+                          <m:sSub>
+                            <m:sSubPr>
+                              <m:ctrlPr>
+                                <a:rPr lang="fr-FR" sz="1600" i="1">
+                                  <a:solidFill>
+                                    <a:srgbClr val="376092"/>
+                                  </a:solidFill>
+                                  <a:latin typeface="Cambria Math" panose="02040503050406030204" pitchFamily="18" charset="0"/>
+                                </a:rPr>
+                              </m:ctrlPr>
+                            </m:sSubPr>
+                            <m:e>
+                              <m:r>
+                                <a:rPr lang="fr-FR" sz="1600" i="1">
+                                  <a:solidFill>
+                                    <a:srgbClr val="376092"/>
+                                  </a:solidFill>
+                                  <a:latin typeface="Cambria Math" panose="02040503050406030204" pitchFamily="18" charset="0"/>
+                                </a:rPr>
+                                <m:t>𝑠</m:t>
+                              </m:r>
+                            </m:e>
+                            <m:sub>
+                              <m:r>
+                                <a:rPr lang="fr-FR" sz="1600" i="1">
+                                  <a:solidFill>
+                                    <a:srgbClr val="376092"/>
+                                  </a:solidFill>
+                                  <a:latin typeface="Cambria Math" panose="02040503050406030204" pitchFamily="18" charset="0"/>
+                                </a:rPr>
+                                <m:t>1</m:t>
+                              </m:r>
+                            </m:sub>
+                          </m:sSub>
+                        </m:sup>
+                        <m:e>
+                          <m:r>
+                            <a:rPr lang="fr-FR" sz="1600" i="1">
+                              <a:solidFill>
+                                <a:srgbClr val="376092"/>
+                              </a:solidFill>
+                              <a:latin typeface="Cambria Math" panose="02040503050406030204" pitchFamily="18" charset="0"/>
+                            </a:rPr>
+                            <m:t>𝐹</m:t>
+                          </m:r>
+                          <m:r>
+                            <a:rPr lang="fr-FR" sz="1600">
+                              <a:solidFill>
+                                <a:srgbClr val="376092"/>
+                              </a:solidFill>
+                              <a:latin typeface="Cambria Math" panose="02040503050406030204" pitchFamily="18" charset="0"/>
+                            </a:rPr>
+                            <m:t> </m:t>
+                          </m:r>
+                          <m:r>
+                            <m:rPr>
+                              <m:sty m:val="p"/>
+                            </m:rPr>
+                            <a:rPr lang="fr-FR" sz="1600">
+                              <a:solidFill>
+                                <a:srgbClr val="376092"/>
+                              </a:solidFill>
+                              <a:latin typeface="Cambria Math" panose="02040503050406030204" pitchFamily="18" charset="0"/>
+                            </a:rPr>
+                            <m:t>exp</m:t>
+                          </m:r>
+                          <m:d>
+                            <m:dPr>
+                              <m:ctrlPr>
+                                <a:rPr lang="fr-FR" sz="1600" i="1">
+                                  <a:solidFill>
+                                    <a:srgbClr val="376092"/>
+                                  </a:solidFill>
+                                  <a:latin typeface="Cambria Math" panose="02040503050406030204" pitchFamily="18" charset="0"/>
+                                </a:rPr>
+                              </m:ctrlPr>
+                            </m:dPr>
+                            <m:e>
+                              <m:r>
+                                <a:rPr lang="fr-FR" sz="1600" i="1">
+                                  <a:solidFill>
+                                    <a:srgbClr val="376092"/>
+                                  </a:solidFill>
+                                  <a:latin typeface="Cambria Math" panose="02040503050406030204" pitchFamily="18" charset="0"/>
+                                </a:rPr>
+                                <m:t>𝑖</m:t>
+                              </m:r>
+                              <m:r>
+                                <m:rPr>
+                                  <m:sty m:val="p"/>
+                                </m:rPr>
+                                <a:rPr lang="fr-FR" sz="1600">
+                                  <a:solidFill>
+                                    <a:srgbClr val="376092"/>
+                                  </a:solidFill>
+                                  <a:latin typeface="Cambria Math" panose="02040503050406030204" pitchFamily="18" charset="0"/>
+                                </a:rPr>
+                                <m:t>Φ</m:t>
+                              </m:r>
+                            </m:e>
+                          </m:d>
+                          <m:r>
+                            <a:rPr lang="fr-FR" sz="1600">
+                              <a:solidFill>
+                                <a:srgbClr val="376092"/>
+                              </a:solidFill>
+                              <a:latin typeface="Cambria Math" panose="02040503050406030204" pitchFamily="18" charset="0"/>
+                            </a:rPr>
+                            <m:t> </m:t>
+                          </m:r>
+                          <m:r>
+                            <m:rPr>
+                              <m:sty m:val="p"/>
+                            </m:rPr>
+                            <a:rPr lang="fr-FR" sz="1600">
+                              <a:solidFill>
+                                <a:srgbClr val="376092"/>
+                              </a:solidFill>
+                              <a:latin typeface="Cambria Math" panose="02040503050406030204" pitchFamily="18" charset="0"/>
+                            </a:rPr>
+                            <m:t>d</m:t>
+                          </m:r>
+                          <m:r>
+                            <a:rPr lang="fr-FR" sz="1600" i="1">
+                              <a:solidFill>
+                                <a:srgbClr val="376092"/>
+                              </a:solidFill>
+                              <a:latin typeface="Cambria Math" panose="02040503050406030204" pitchFamily="18" charset="0"/>
+                            </a:rPr>
+                            <m:t>𝑠</m:t>
+                          </m:r>
+                          <m:r>
+                            <a:rPr lang="fr-FR" sz="1600" i="1">
+                              <a:solidFill>
+                                <a:srgbClr val="376092"/>
+                              </a:solidFill>
+                              <a:latin typeface="Cambria Math" panose="02040503050406030204" pitchFamily="18" charset="0"/>
+                            </a:rPr>
+                            <m:t>+</m:t>
+                          </m:r>
+                        </m:e>
+                      </m:nary>
+                      <m:nary>
+                        <m:naryPr>
+                          <m:limLoc m:val="undOvr"/>
+                          <m:ctrlPr>
+                            <a:rPr lang="fr-FR" sz="1600" i="1">
+                              <a:solidFill>
+                                <a:srgbClr val="376092"/>
+                              </a:solidFill>
+                              <a:latin typeface="Cambria Math" panose="02040503050406030204" pitchFamily="18" charset="0"/>
+                            </a:rPr>
+                          </m:ctrlPr>
+                        </m:naryPr>
+                        <m:sub>
+                          <m:sSub>
+                            <m:sSubPr>
+                              <m:ctrlPr>
+                                <a:rPr lang="fr-FR" sz="1600" i="1">
+                                  <a:solidFill>
+                                    <a:srgbClr val="376092"/>
+                                  </a:solidFill>
+                                  <a:latin typeface="Cambria Math" panose="02040503050406030204" pitchFamily="18" charset="0"/>
+                                </a:rPr>
+                              </m:ctrlPr>
+                            </m:sSubPr>
+                            <m:e>
+                              <m:r>
+                                <a:rPr lang="fr-FR" sz="1600" i="1">
+                                  <a:solidFill>
+                                    <a:srgbClr val="376092"/>
+                                  </a:solidFill>
+                                  <a:latin typeface="Cambria Math" panose="02040503050406030204" pitchFamily="18" charset="0"/>
+                                </a:rPr>
+                                <m:t>𝑠</m:t>
+                              </m:r>
+                            </m:e>
+                            <m:sub>
+                              <m:r>
+                                <a:rPr lang="fr-FR" sz="1600" i="1">
+                                  <a:solidFill>
+                                    <a:srgbClr val="376092"/>
+                                  </a:solidFill>
+                                  <a:latin typeface="Cambria Math" panose="02040503050406030204" pitchFamily="18" charset="0"/>
+                                </a:rPr>
+                                <m:t>2</m:t>
+                              </m:r>
+                            </m:sub>
+                          </m:sSub>
+                        </m:sub>
+                        <m:sup>
+                          <m:r>
+                            <a:rPr lang="fr-FR" sz="1600" i="1">
+                              <a:solidFill>
+                                <a:srgbClr val="376092"/>
+                              </a:solidFill>
+                              <a:latin typeface="Cambria Math" panose="02040503050406030204" pitchFamily="18" charset="0"/>
+                            </a:rPr>
+                            <m:t>+∞</m:t>
+                          </m:r>
+                        </m:sup>
+                        <m:e>
+                          <m:r>
+                            <a:rPr lang="fr-FR" sz="1600" i="1">
+                              <a:solidFill>
+                                <a:srgbClr val="376092"/>
+                              </a:solidFill>
+                              <a:latin typeface="Cambria Math" panose="02040503050406030204" pitchFamily="18" charset="0"/>
+                            </a:rPr>
+                            <m:t>𝐹</m:t>
+                          </m:r>
+                          <m:r>
+                            <a:rPr lang="fr-FR" sz="1600">
+                              <a:solidFill>
+                                <a:srgbClr val="376092"/>
+                              </a:solidFill>
+                              <a:latin typeface="Cambria Math" panose="02040503050406030204" pitchFamily="18" charset="0"/>
+                            </a:rPr>
+                            <m:t> </m:t>
+                          </m:r>
+                          <m:r>
+                            <m:rPr>
+                              <m:sty m:val="p"/>
+                            </m:rPr>
+                            <a:rPr lang="fr-FR" sz="1600">
+                              <a:solidFill>
+                                <a:srgbClr val="376092"/>
+                              </a:solidFill>
+                              <a:latin typeface="Cambria Math" panose="02040503050406030204" pitchFamily="18" charset="0"/>
+                            </a:rPr>
+                            <m:t>exp</m:t>
+                          </m:r>
+                          <m:d>
+                            <m:dPr>
+                              <m:ctrlPr>
+                                <a:rPr lang="fr-FR" sz="1600" i="1">
+                                  <a:solidFill>
+                                    <a:srgbClr val="376092"/>
+                                  </a:solidFill>
+                                  <a:latin typeface="Cambria Math" panose="02040503050406030204" pitchFamily="18" charset="0"/>
+                                </a:rPr>
+                              </m:ctrlPr>
+                            </m:dPr>
+                            <m:e>
+                              <m:r>
+                                <a:rPr lang="fr-FR" sz="1600" i="1">
+                                  <a:solidFill>
+                                    <a:srgbClr val="376092"/>
+                                  </a:solidFill>
+                                  <a:latin typeface="Cambria Math" panose="02040503050406030204" pitchFamily="18" charset="0"/>
+                                </a:rPr>
+                                <m:t>𝑖</m:t>
+                              </m:r>
+                              <m:r>
+                                <m:rPr>
+                                  <m:sty m:val="p"/>
+                                </m:rPr>
+                                <a:rPr lang="fr-FR" sz="1600">
+                                  <a:solidFill>
+                                    <a:srgbClr val="376092"/>
+                                  </a:solidFill>
+                                  <a:latin typeface="Cambria Math" panose="02040503050406030204" pitchFamily="18" charset="0"/>
+                                </a:rPr>
+                                <m:t>Φ</m:t>
+                              </m:r>
+                            </m:e>
+                          </m:d>
+                          <m:r>
+                            <a:rPr lang="fr-FR" sz="1600">
+                              <a:solidFill>
+                                <a:srgbClr val="376092"/>
+                              </a:solidFill>
+                              <a:latin typeface="Cambria Math" panose="02040503050406030204" pitchFamily="18" charset="0"/>
+                            </a:rPr>
+                            <m:t> </m:t>
+                          </m:r>
+                          <m:r>
+                            <m:rPr>
+                              <m:sty m:val="p"/>
+                            </m:rPr>
+                            <a:rPr lang="fr-FR" sz="1600">
+                              <a:solidFill>
+                                <a:srgbClr val="376092"/>
+                              </a:solidFill>
+                              <a:latin typeface="Cambria Math" panose="02040503050406030204" pitchFamily="18" charset="0"/>
+                            </a:rPr>
+                            <m:t>d</m:t>
+                          </m:r>
+                          <m:r>
+                            <a:rPr lang="fr-FR" sz="1600" i="1">
+                              <a:solidFill>
+                                <a:srgbClr val="376092"/>
+                              </a:solidFill>
+                              <a:latin typeface="Cambria Math" panose="02040503050406030204" pitchFamily="18" charset="0"/>
+                            </a:rPr>
+                            <m:t>𝑠</m:t>
+                          </m:r>
+                        </m:e>
+                      </m:nary>
+                      <m:r>
+                        <a:rPr lang="fr-FR" sz="1600" b="0" i="1" smtClean="0">
+                          <a:solidFill>
+                            <a:srgbClr val="376092"/>
+                          </a:solidFill>
+                          <a:latin typeface="Cambria Math" panose="02040503050406030204" pitchFamily="18" charset="0"/>
+                        </a:rPr>
+                        <m:t>≈</m:t>
+                      </m:r>
                       <m:sSubSup>
                         <m:sSubSupPr>
                           <m:ctrlPr>
@@ -11223,16 +12074,7 @@
                                               </a:solidFill>
                                               <a:latin typeface="Cambria Math" panose="02040503050406030204" pitchFamily="18" charset="0"/>
                                             </a:rPr>
-                                            <m:t>′</m:t>
-                                          </m:r>
-                                          <m:r>
-                                            <a:rPr lang="fr-FR" sz="1600" b="0" i="1" smtClean="0">
-                                              <a:solidFill>
-                                                <a:srgbClr val="376092"/>
-                                              </a:solidFill>
-                                              <a:latin typeface="Cambria Math" panose="02040503050406030204" pitchFamily="18" charset="0"/>
-                                            </a:rPr>
-                                            <m:t>3</m:t>
+                                            <m:t>′3</m:t>
                                           </m:r>
                                         </m:sup>
                                       </m:sSup>
@@ -11402,7 +12244,7 @@
             <p:spPr>
               <a:xfrm>
                 <a:off x="254000" y="855907"/>
-                <a:ext cx="8651875" cy="2944268"/>
+                <a:ext cx="8651875" cy="3719673"/>
               </a:xfrm>
               <a:prstGeom prst="rect">
                 <a:avLst/>
@@ -11410,7 +12252,7 @@
               <a:blipFill>
                 <a:blip r:embed="rId2"/>
                 <a:stretch>
-                  <a:fillRect l="-423" t="-621" r="-352"/>
+                  <a:fillRect l="-423" t="-491" r="-352"/>
                 </a:stretch>
               </a:blipFill>
             </p:spPr>
@@ -11536,6 +12378,18 @@
   <p:clrMapOvr>
     <a:masterClrMapping/>
   </p:clrMapOvr>
+  <mc:AlternateContent xmlns:mc="http://schemas.openxmlformats.org/markup-compatibility/2006">
+    <mc:Choice xmlns:p14="http://schemas.microsoft.com/office/powerpoint/2010/main" Requires="p14">
+      <p:transition spd="med" p14:dur="700">
+        <p:fade/>
+      </p:transition>
+    </mc:Choice>
+    <mc:Fallback>
+      <p:transition spd="med">
+        <p:fade/>
+      </p:transition>
+    </mc:Fallback>
+  </mc:AlternateContent>
 </p:sld>
 </file>
 
@@ -11668,7 +12522,7 @@
             <p:spPr>
               <a:xfrm>
                 <a:off x="254000" y="855907"/>
-                <a:ext cx="8651875" cy="3343479"/>
+                <a:ext cx="8651875" cy="3920432"/>
               </a:xfrm>
               <a:prstGeom prst="rect">
                 <a:avLst/>
@@ -12055,7 +12909,7 @@
                           <m:sSub>
                             <m:sSubPr>
                               <m:ctrlPr>
-                                <a:rPr lang="fr-FR" b="0" smtClean="0">
+                                <a:rPr lang="fr-FR" b="0" i="1" smtClean="0">
                                   <a:solidFill>
                                     <a:srgbClr val="376092"/>
                                   </a:solidFill>
@@ -12104,7 +12958,7 @@
                           <m:sSub>
                             <m:sSubPr>
                               <m:ctrlPr>
-                                <a:rPr lang="fr-FR" b="0" smtClean="0">
+                                <a:rPr lang="fr-FR" b="0" i="1" smtClean="0">
                                   <a:solidFill>
                                     <a:srgbClr val="376092"/>
                                   </a:solidFill>
@@ -12285,7 +13139,7 @@
                               <m:ctrlPr>
                                 <a:rPr lang="fr-FR" b="0" i="1" smtClean="0">
                                   <a:solidFill>
-                                    <a:srgbClr val="254061"/>
+                                    <a:srgbClr val="376092"/>
                                   </a:solidFill>
                                   <a:latin typeface="Cambria Math" panose="02040503050406030204" pitchFamily="18" charset="0"/>
                                 </a:rPr>
@@ -12299,7 +13153,7 @@
                                   <m:ctrlPr>
                                     <a:rPr lang="fr-FR" i="1">
                                       <a:solidFill>
-                                        <a:srgbClr val="254061"/>
+                                        <a:srgbClr val="376092"/>
                                       </a:solidFill>
                                       <a:latin typeface="Cambria Math" panose="02040503050406030204" pitchFamily="18" charset="0"/>
                                     </a:rPr>
@@ -12388,7 +13242,7 @@
                               <m:r>
                                 <a:rPr lang="fr-FR" b="0" i="1" smtClean="0">
                                   <a:solidFill>
-                                    <a:srgbClr val="254061"/>
+                                    <a:srgbClr val="376092"/>
                                   </a:solidFill>
                                   <a:latin typeface="Cambria Math" panose="02040503050406030204" pitchFamily="18" charset="0"/>
                                 </a:rPr>
@@ -12399,7 +13253,7 @@
                           <m:r>
                             <a:rPr lang="fr-FR" b="0" i="1" smtClean="0">
                               <a:solidFill>
-                                <a:srgbClr val="254061"/>
+                                <a:srgbClr val="376092"/>
                               </a:solidFill>
                               <a:latin typeface="Cambria Math" panose="02040503050406030204" pitchFamily="18" charset="0"/>
                             </a:rPr>
@@ -12408,7 +13262,7 @@
                           <m:r>
                             <a:rPr lang="fr-FR" b="0" i="1" smtClean="0">
                               <a:solidFill>
-                                <a:srgbClr val="254061"/>
+                                <a:srgbClr val="376092"/>
                               </a:solidFill>
                               <a:latin typeface="Cambria Math" panose="02040503050406030204" pitchFamily="18" charset="0"/>
                             </a:rPr>
@@ -12419,7 +13273,7 @@
                               <m:ctrlPr>
                                 <a:rPr lang="fr-FR" b="0" i="1" smtClean="0">
                                   <a:solidFill>
-                                    <a:srgbClr val="254061"/>
+                                    <a:srgbClr val="376092"/>
                                   </a:solidFill>
                                   <a:latin typeface="Cambria Math" panose="02040503050406030204" pitchFamily="18" charset="0"/>
                                 </a:rPr>
@@ -12432,7 +13286,7 @@
                                 </m:rPr>
                                 <a:rPr lang="fr-FR" b="0" i="0" smtClean="0">
                                   <a:solidFill>
-                                    <a:srgbClr val="254061"/>
+                                    <a:srgbClr val="376092"/>
                                   </a:solidFill>
                                   <a:latin typeface="Cambria Math" panose="02040503050406030204" pitchFamily="18" charset="0"/>
                                 </a:rPr>
@@ -12443,7 +13297,7 @@
                           <m:r>
                             <a:rPr lang="fr-FR" b="0" i="0" smtClean="0">
                               <a:solidFill>
-                                <a:srgbClr val="254061"/>
+                                <a:srgbClr val="376092"/>
                               </a:solidFill>
                               <a:latin typeface="Cambria Math" panose="02040503050406030204" pitchFamily="18" charset="0"/>
                             </a:rPr>
@@ -12455,7 +13309,7 @@
                             </m:rPr>
                             <a:rPr lang="fr-FR" b="0" i="0" smtClean="0">
                               <a:solidFill>
-                                <a:srgbClr val="254061"/>
+                                <a:srgbClr val="376092"/>
                               </a:solidFill>
                               <a:latin typeface="Cambria Math" panose="02040503050406030204" pitchFamily="18" charset="0"/>
                             </a:rPr>
@@ -12468,7 +13322,7 @@
                 </a14:m>
                 <a:endParaRPr lang="en-GB" kern="1200" dirty="0">
                   <a:solidFill>
-                    <a:srgbClr val="254061"/>
+                    <a:srgbClr val="376092"/>
                   </a:solidFill>
                   <a:latin typeface="Candara" panose="020E0502030303020204" pitchFamily="34" charset="0"/>
                   <a:ea typeface="+mn-ea"/>
@@ -12550,19 +13404,7 @@
                               </a:solidFill>
                               <a:latin typeface="Cambria Math" panose="02040503050406030204" pitchFamily="18" charset="0"/>
                             </a:rPr>
-                            <m:t>C</m:t>
-                          </m:r>
-                          <m:r>
-                            <m:rPr>
-                              <m:sty m:val="p"/>
-                            </m:rPr>
-                            <a:rPr lang="fr-FR" b="0" i="0" smtClean="0">
-                              <a:solidFill>
-                                <a:srgbClr val="376092"/>
-                              </a:solidFill>
-                              <a:latin typeface="Cambria Math" panose="02040503050406030204" pitchFamily="18" charset="0"/>
-                            </a:rPr>
-                            <m:t>SR</m:t>
+                            <m:t>CSR</m:t>
                           </m:r>
                         </m:sub>
                       </m:sSub>
@@ -12775,7 +13617,7 @@
                               <m:r>
                                 <a:rPr lang="fr-FR" i="1">
                                   <a:solidFill>
-                                    <a:srgbClr val="254061"/>
+                                    <a:srgbClr val="376092"/>
                                   </a:solidFill>
                                   <a:latin typeface="Cambria Math" panose="02040503050406030204" pitchFamily="18" charset="0"/>
                                 </a:rPr>
@@ -12784,7 +13626,7 @@
                               <m:r>
                                 <a:rPr lang="fr-FR" i="1">
                                   <a:solidFill>
-                                    <a:srgbClr val="254061"/>
+                                    <a:srgbClr val="376092"/>
                                   </a:solidFill>
                                   <a:latin typeface="Cambria Math" panose="02040503050406030204" pitchFamily="18" charset="0"/>
                                 </a:rPr>
@@ -12795,7 +13637,7 @@
                                   <m:ctrlPr>
                                     <a:rPr lang="fr-FR" i="1">
                                       <a:solidFill>
-                                        <a:srgbClr val="254061"/>
+                                        <a:srgbClr val="376092"/>
                                       </a:solidFill>
                                       <a:latin typeface="Cambria Math" panose="02040503050406030204" pitchFamily="18" charset="0"/>
                                     </a:rPr>
@@ -12808,7 +13650,7 @@
                                     </m:rPr>
                                     <a:rPr lang="fr-FR">
                                       <a:solidFill>
-                                        <a:srgbClr val="254061"/>
+                                        <a:srgbClr val="376092"/>
                                       </a:solidFill>
                                       <a:latin typeface="Cambria Math" panose="02040503050406030204" pitchFamily="18" charset="0"/>
                                     </a:rPr>
@@ -12819,7 +13661,7 @@
                               <m:r>
                                 <a:rPr lang="fr-FR">
                                   <a:solidFill>
-                                    <a:srgbClr val="254061"/>
+                                    <a:srgbClr val="376092"/>
                                   </a:solidFill>
                                   <a:latin typeface="Cambria Math" panose="02040503050406030204" pitchFamily="18" charset="0"/>
                                 </a:rPr>
@@ -12831,7 +13673,7 @@
                                 </m:rPr>
                                 <a:rPr lang="fr-FR">
                                   <a:solidFill>
-                                    <a:srgbClr val="254061"/>
+                                    <a:srgbClr val="376092"/>
                                   </a:solidFill>
                                   <a:latin typeface="Cambria Math" panose="02040503050406030204" pitchFamily="18" charset="0"/>
                                 </a:rPr>
@@ -12846,7 +13688,7 @@
                 </a14:m>
                 <a:endParaRPr lang="en-GB" kern="1200" dirty="0">
                   <a:solidFill>
-                    <a:srgbClr val="254061"/>
+                    <a:srgbClr val="376092"/>
                   </a:solidFill>
                   <a:latin typeface="Candara" panose="020E0502030303020204" pitchFamily="34" charset="0"/>
                   <a:ea typeface="+mn-ea"/>
@@ -12938,8 +13780,516 @@
                     <a:ea typeface="+mn-ea"/>
                     <a:cs typeface="Courier New" panose="02070309020205020404" pitchFamily="49" charset="0"/>
                   </a:rPr>
-                  <a:t>and normalised to 1.</a:t>
+                  <a:t>and normalised to 1:</a:t>
                 </a:r>
+              </a:p>
+              <a:p>
+                <a:pPr algn="just" defTabSz="822960">
+                  <a:buClrTx/>
+                </a:pPr>
+                <a14:m>
+                  <m:oMathPara xmlns:m="http://schemas.openxmlformats.org/officeDocument/2006/math">
+                    <m:oMathParaPr>
+                      <m:jc m:val="centerGroup"/>
+                    </m:oMathParaPr>
+                    <m:oMath xmlns:m="http://schemas.openxmlformats.org/officeDocument/2006/math">
+                      <m:nary>
+                        <m:naryPr>
+                          <m:limLoc m:val="undOvr"/>
+                          <m:subHide m:val="on"/>
+                          <m:supHide m:val="on"/>
+                          <m:ctrlPr>
+                            <a:rPr lang="fr-FR" sz="1600" i="1">
+                              <a:solidFill>
+                                <a:srgbClr val="376092"/>
+                              </a:solidFill>
+                              <a:latin typeface="Cambria Math" panose="02040503050406030204" pitchFamily="18" charset="0"/>
+                            </a:rPr>
+                          </m:ctrlPr>
+                        </m:naryPr>
+                        <m:sub/>
+                        <m:sup/>
+                        <m:e>
+                          <m:r>
+                            <a:rPr lang="fr-FR" sz="1600" i="1">
+                              <a:solidFill>
+                                <a:srgbClr val="376092"/>
+                              </a:solidFill>
+                              <a:latin typeface="Cambria Math" panose="02040503050406030204" pitchFamily="18" charset="0"/>
+                            </a:rPr>
+                            <m:t>𝑓</m:t>
+                          </m:r>
+                          <m:d>
+                            <m:dPr>
+                              <m:ctrlPr>
+                                <a:rPr lang="fr-FR" sz="1600" i="1">
+                                  <a:solidFill>
+                                    <a:srgbClr val="376092"/>
+                                  </a:solidFill>
+                                  <a:latin typeface="Cambria Math" panose="02040503050406030204" pitchFamily="18" charset="0"/>
+                                </a:rPr>
+                              </m:ctrlPr>
+                            </m:dPr>
+                            <m:e>
+                              <m:r>
+                                <m:rPr>
+                                  <m:sty m:val="p"/>
+                                </m:rPr>
+                                <a:rPr lang="fr-FR" sz="1600">
+                                  <a:solidFill>
+                                    <a:srgbClr val="376092"/>
+                                  </a:solidFill>
+                                  <a:latin typeface="Cambria Math" panose="02040503050406030204" pitchFamily="18" charset="0"/>
+                                </a:rPr>
+                                <m:t>Ω</m:t>
+                              </m:r>
+                            </m:e>
+                          </m:d>
+                          <m:r>
+                            <a:rPr lang="fr-FR" sz="1600">
+                              <a:solidFill>
+                                <a:srgbClr val="376092"/>
+                              </a:solidFill>
+                              <a:latin typeface="Cambria Math" panose="02040503050406030204" pitchFamily="18" charset="0"/>
+                            </a:rPr>
+                            <m:t> </m:t>
+                          </m:r>
+                          <m:r>
+                            <m:rPr>
+                              <m:sty m:val="p"/>
+                            </m:rPr>
+                            <a:rPr lang="fr-FR" sz="1600">
+                              <a:solidFill>
+                                <a:srgbClr val="376092"/>
+                              </a:solidFill>
+                              <a:latin typeface="Cambria Math" panose="02040503050406030204" pitchFamily="18" charset="0"/>
+                            </a:rPr>
+                            <m:t>dΩ</m:t>
+                          </m:r>
+                        </m:e>
+                      </m:nary>
+                      <m:r>
+                        <a:rPr lang="fr-FR" sz="1600" b="0" i="1" smtClean="0">
+                          <a:solidFill>
+                            <a:srgbClr val="376092"/>
+                          </a:solidFill>
+                          <a:latin typeface="Cambria Math" panose="02040503050406030204" pitchFamily="18" charset="0"/>
+                        </a:rPr>
+                        <m:t>=</m:t>
+                      </m:r>
+                      <m:r>
+                        <a:rPr lang="fr-FR" sz="1600" b="0" i="1" smtClean="0">
+                          <a:solidFill>
+                            <a:srgbClr val="376092"/>
+                          </a:solidFill>
+                          <a:latin typeface="Cambria Math" panose="02040503050406030204" pitchFamily="18" charset="0"/>
+                        </a:rPr>
+                        <m:t>𝑓</m:t>
+                      </m:r>
+                      <m:d>
+                        <m:dPr>
+                          <m:ctrlPr>
+                            <a:rPr lang="fr-FR" sz="1600" b="0" i="1" smtClean="0">
+                              <a:solidFill>
+                                <a:srgbClr val="376092"/>
+                              </a:solidFill>
+                              <a:latin typeface="Cambria Math" panose="02040503050406030204" pitchFamily="18" charset="0"/>
+                            </a:rPr>
+                          </m:ctrlPr>
+                        </m:dPr>
+                        <m:e>
+                          <m:r>
+                            <a:rPr lang="fr-FR" sz="1600" b="0" i="1" smtClean="0">
+                              <a:solidFill>
+                                <a:srgbClr val="376092"/>
+                              </a:solidFill>
+                              <a:latin typeface="Cambria Math" panose="02040503050406030204" pitchFamily="18" charset="0"/>
+                            </a:rPr>
+                            <m:t>𝑥</m:t>
+                          </m:r>
+                          <m:r>
+                            <a:rPr lang="fr-FR" sz="1600" b="0" i="1" smtClean="0">
+                              <a:solidFill>
+                                <a:srgbClr val="376092"/>
+                              </a:solidFill>
+                              <a:latin typeface="Cambria Math" panose="02040503050406030204" pitchFamily="18" charset="0"/>
+                            </a:rPr>
+                            <m:t>,</m:t>
+                          </m:r>
+                          <m:r>
+                            <a:rPr lang="fr-FR" sz="1600" b="0" i="1" smtClean="0">
+                              <a:solidFill>
+                                <a:srgbClr val="376092"/>
+                              </a:solidFill>
+                              <a:latin typeface="Cambria Math" panose="02040503050406030204" pitchFamily="18" charset="0"/>
+                            </a:rPr>
+                            <m:t>𝑦</m:t>
+                          </m:r>
+                          <m:r>
+                            <a:rPr lang="fr-FR" sz="1600" b="0" i="1" smtClean="0">
+                              <a:solidFill>
+                                <a:srgbClr val="376092"/>
+                              </a:solidFill>
+                              <a:latin typeface="Cambria Math" panose="02040503050406030204" pitchFamily="18" charset="0"/>
+                            </a:rPr>
+                            <m:t>,</m:t>
+                          </m:r>
+                          <m:r>
+                            <a:rPr lang="fr-FR" sz="1600" b="0" i="1" smtClean="0">
+                              <a:solidFill>
+                                <a:srgbClr val="376092"/>
+                              </a:solidFill>
+                              <a:latin typeface="Cambria Math" panose="02040503050406030204" pitchFamily="18" charset="0"/>
+                            </a:rPr>
+                            <m:t>𝑧</m:t>
+                          </m:r>
+                          <m:r>
+                            <a:rPr lang="fr-FR" sz="1600" b="0" i="1" smtClean="0">
+                              <a:solidFill>
+                                <a:srgbClr val="376092"/>
+                              </a:solidFill>
+                              <a:latin typeface="Cambria Math" panose="02040503050406030204" pitchFamily="18" charset="0"/>
+                            </a:rPr>
+                            <m:t>,</m:t>
+                          </m:r>
+                          <m:sSup>
+                            <m:sSupPr>
+                              <m:ctrlPr>
+                                <a:rPr lang="fr-FR" sz="1600" b="0" i="1" smtClean="0">
+                                  <a:solidFill>
+                                    <a:srgbClr val="376092"/>
+                                  </a:solidFill>
+                                  <a:latin typeface="Cambria Math" panose="02040503050406030204" pitchFamily="18" charset="0"/>
+                                </a:rPr>
+                              </m:ctrlPr>
+                            </m:sSupPr>
+                            <m:e>
+                              <m:r>
+                                <a:rPr lang="fr-FR" sz="1600" b="0" i="1" smtClean="0">
+                                  <a:solidFill>
+                                    <a:srgbClr val="376092"/>
+                                  </a:solidFill>
+                                  <a:latin typeface="Cambria Math" panose="02040503050406030204" pitchFamily="18" charset="0"/>
+                                </a:rPr>
+                                <m:t>𝑥</m:t>
+                              </m:r>
+                            </m:e>
+                            <m:sup>
+                              <m:r>
+                                <a:rPr lang="fr-FR" sz="1600" b="0" i="1" smtClean="0">
+                                  <a:solidFill>
+                                    <a:srgbClr val="376092"/>
+                                  </a:solidFill>
+                                  <a:latin typeface="Cambria Math" panose="02040503050406030204" pitchFamily="18" charset="0"/>
+                                </a:rPr>
+                                <m:t>′</m:t>
+                              </m:r>
+                            </m:sup>
+                          </m:sSup>
+                          <m:r>
+                            <a:rPr lang="fr-FR" sz="1600" b="0" i="1" smtClean="0">
+                              <a:solidFill>
+                                <a:srgbClr val="376092"/>
+                              </a:solidFill>
+                              <a:latin typeface="Cambria Math" panose="02040503050406030204" pitchFamily="18" charset="0"/>
+                            </a:rPr>
+                            <m:t>,</m:t>
+                          </m:r>
+                          <m:sSup>
+                            <m:sSupPr>
+                              <m:ctrlPr>
+                                <a:rPr lang="fr-FR" sz="1600" b="0" i="1" smtClean="0">
+                                  <a:solidFill>
+                                    <a:srgbClr val="376092"/>
+                                  </a:solidFill>
+                                  <a:latin typeface="Cambria Math" panose="02040503050406030204" pitchFamily="18" charset="0"/>
+                                </a:rPr>
+                              </m:ctrlPr>
+                            </m:sSupPr>
+                            <m:e>
+                              <m:r>
+                                <a:rPr lang="fr-FR" sz="1600" b="0" i="1" smtClean="0">
+                                  <a:solidFill>
+                                    <a:srgbClr val="376092"/>
+                                  </a:solidFill>
+                                  <a:latin typeface="Cambria Math" panose="02040503050406030204" pitchFamily="18" charset="0"/>
+                                </a:rPr>
+                                <m:t>𝑦</m:t>
+                              </m:r>
+                            </m:e>
+                            <m:sup>
+                              <m:r>
+                                <a:rPr lang="fr-FR" sz="1600" b="0" i="1" smtClean="0">
+                                  <a:solidFill>
+                                    <a:srgbClr val="376092"/>
+                                  </a:solidFill>
+                                  <a:latin typeface="Cambria Math" panose="02040503050406030204" pitchFamily="18" charset="0"/>
+                                </a:rPr>
+                                <m:t>′</m:t>
+                              </m:r>
+                            </m:sup>
+                          </m:sSup>
+                          <m:r>
+                            <a:rPr lang="fr-FR" sz="1600" b="0" i="1" smtClean="0">
+                              <a:solidFill>
+                                <a:srgbClr val="376092"/>
+                              </a:solidFill>
+                              <a:latin typeface="Cambria Math" panose="02040503050406030204" pitchFamily="18" charset="0"/>
+                            </a:rPr>
+                            <m:t>,</m:t>
+                          </m:r>
+                          <m:r>
+                            <a:rPr lang="fr-FR" sz="1600" b="0" i="1" smtClean="0">
+                              <a:solidFill>
+                                <a:srgbClr val="376092"/>
+                              </a:solidFill>
+                              <a:latin typeface="Cambria Math" panose="02040503050406030204" pitchFamily="18" charset="0"/>
+                            </a:rPr>
+                            <m:t>𝛿𝛾</m:t>
+                          </m:r>
+                        </m:e>
+                      </m:d>
+                      <m:sSup>
+                        <m:sSupPr>
+                          <m:ctrlPr>
+                            <a:rPr lang="fr-FR" sz="1600" b="0" i="0" smtClean="0">
+                              <a:solidFill>
+                                <a:srgbClr val="376092"/>
+                              </a:solidFill>
+                              <a:latin typeface="Cambria Math" panose="02040503050406030204" pitchFamily="18" charset="0"/>
+                            </a:rPr>
+                          </m:ctrlPr>
+                        </m:sSupPr>
+                        <m:e>
+                          <m:r>
+                            <m:rPr>
+                              <m:sty m:val="p"/>
+                            </m:rPr>
+                            <a:rPr lang="fr-FR" sz="1600" b="0" i="0" smtClean="0">
+                              <a:solidFill>
+                                <a:srgbClr val="376092"/>
+                              </a:solidFill>
+                              <a:latin typeface="Cambria Math" panose="02040503050406030204" pitchFamily="18" charset="0"/>
+                            </a:rPr>
+                            <m:t>d</m:t>
+                          </m:r>
+                          <m:r>
+                            <a:rPr lang="fr-FR" sz="1600" b="0" i="1" smtClean="0">
+                              <a:solidFill>
+                                <a:srgbClr val="376092"/>
+                              </a:solidFill>
+                              <a:latin typeface="Cambria Math" panose="02040503050406030204" pitchFamily="18" charset="0"/>
+                            </a:rPr>
+                            <m:t>𝑥</m:t>
+                          </m:r>
+                          <m:r>
+                            <a:rPr lang="fr-FR" sz="1600" b="0" i="0" smtClean="0">
+                              <a:solidFill>
+                                <a:srgbClr val="376092"/>
+                              </a:solidFill>
+                              <a:latin typeface="Cambria Math" panose="02040503050406030204" pitchFamily="18" charset="0"/>
+                            </a:rPr>
+                            <m:t> </m:t>
+                          </m:r>
+                          <m:r>
+                            <m:rPr>
+                              <m:sty m:val="p"/>
+                            </m:rPr>
+                            <a:rPr lang="fr-FR" sz="1600" b="0" i="0" smtClean="0">
+                              <a:solidFill>
+                                <a:srgbClr val="376092"/>
+                              </a:solidFill>
+                              <a:latin typeface="Cambria Math" panose="02040503050406030204" pitchFamily="18" charset="0"/>
+                            </a:rPr>
+                            <m:t>d</m:t>
+                          </m:r>
+                          <m:r>
+                            <a:rPr lang="fr-FR" sz="1600" b="0" i="1" smtClean="0">
+                              <a:solidFill>
+                                <a:srgbClr val="376092"/>
+                              </a:solidFill>
+                              <a:latin typeface="Cambria Math" panose="02040503050406030204" pitchFamily="18" charset="0"/>
+                            </a:rPr>
+                            <m:t>𝑦</m:t>
+                          </m:r>
+                          <m:r>
+                            <a:rPr lang="fr-FR" sz="1600" b="0" i="0" smtClean="0">
+                              <a:solidFill>
+                                <a:srgbClr val="376092"/>
+                              </a:solidFill>
+                              <a:latin typeface="Cambria Math" panose="02040503050406030204" pitchFamily="18" charset="0"/>
+                            </a:rPr>
+                            <m:t> </m:t>
+                          </m:r>
+                          <m:r>
+                            <m:rPr>
+                              <m:sty m:val="p"/>
+                            </m:rPr>
+                            <a:rPr lang="fr-FR" sz="1600" b="0" i="0" smtClean="0">
+                              <a:solidFill>
+                                <a:srgbClr val="376092"/>
+                              </a:solidFill>
+                              <a:latin typeface="Cambria Math" panose="02040503050406030204" pitchFamily="18" charset="0"/>
+                            </a:rPr>
+                            <m:t>d</m:t>
+                          </m:r>
+                          <m:r>
+                            <a:rPr lang="fr-FR" sz="1600" b="0" i="1" smtClean="0">
+                              <a:solidFill>
+                                <a:srgbClr val="376092"/>
+                              </a:solidFill>
+                              <a:latin typeface="Cambria Math" panose="02040503050406030204" pitchFamily="18" charset="0"/>
+                            </a:rPr>
+                            <m:t>𝑧</m:t>
+                          </m:r>
+                          <m:r>
+                            <a:rPr lang="fr-FR" sz="1600" b="0" i="1" smtClean="0">
+                              <a:solidFill>
+                                <a:srgbClr val="376092"/>
+                              </a:solidFill>
+                              <a:latin typeface="Cambria Math" panose="02040503050406030204" pitchFamily="18" charset="0"/>
+                            </a:rPr>
+                            <m:t> </m:t>
+                          </m:r>
+                          <m:r>
+                            <m:rPr>
+                              <m:sty m:val="p"/>
+                            </m:rPr>
+                            <a:rPr lang="fr-FR" sz="1600" b="0" i="0" smtClean="0">
+                              <a:solidFill>
+                                <a:srgbClr val="376092"/>
+                              </a:solidFill>
+                              <a:latin typeface="Cambria Math" panose="02040503050406030204" pitchFamily="18" charset="0"/>
+                            </a:rPr>
+                            <m:t>d</m:t>
+                          </m:r>
+                          <m:r>
+                            <a:rPr lang="fr-FR" sz="1600" b="0" i="1" smtClean="0">
+                              <a:solidFill>
+                                <a:srgbClr val="376092"/>
+                              </a:solidFill>
+                              <a:latin typeface="Cambria Math" panose="02040503050406030204" pitchFamily="18" charset="0"/>
+                            </a:rPr>
+                            <m:t>𝑥</m:t>
+                          </m:r>
+                        </m:e>
+                        <m:sup>
+                          <m:r>
+                            <a:rPr lang="fr-FR" sz="1600" b="0" i="0" smtClean="0">
+                              <a:solidFill>
+                                <a:srgbClr val="376092"/>
+                              </a:solidFill>
+                              <a:latin typeface="Cambria Math" panose="02040503050406030204" pitchFamily="18" charset="0"/>
+                            </a:rPr>
+                            <m:t>′</m:t>
+                          </m:r>
+                        </m:sup>
+                      </m:sSup>
+                      <m:r>
+                        <a:rPr lang="fr-FR" sz="1600" b="0" i="0" smtClean="0">
+                          <a:solidFill>
+                            <a:srgbClr val="376092"/>
+                          </a:solidFill>
+                          <a:latin typeface="Cambria Math" panose="02040503050406030204" pitchFamily="18" charset="0"/>
+                        </a:rPr>
+                        <m:t> </m:t>
+                      </m:r>
+                      <m:sSup>
+                        <m:sSupPr>
+                          <m:ctrlPr>
+                            <a:rPr lang="fr-FR" sz="1600" b="0" i="0" smtClean="0">
+                              <a:solidFill>
+                                <a:srgbClr val="376092"/>
+                              </a:solidFill>
+                              <a:latin typeface="Cambria Math" panose="02040503050406030204" pitchFamily="18" charset="0"/>
+                            </a:rPr>
+                          </m:ctrlPr>
+                        </m:sSupPr>
+                        <m:e>
+                          <m:r>
+                            <m:rPr>
+                              <m:sty m:val="p"/>
+                            </m:rPr>
+                            <a:rPr lang="fr-FR" sz="1600" b="0" i="0" smtClean="0">
+                              <a:solidFill>
+                                <a:srgbClr val="376092"/>
+                              </a:solidFill>
+                              <a:latin typeface="Cambria Math" panose="02040503050406030204" pitchFamily="18" charset="0"/>
+                            </a:rPr>
+                            <m:t>d</m:t>
+                          </m:r>
+                          <m:r>
+                            <a:rPr lang="fr-FR" sz="1600" b="0" i="1" smtClean="0">
+                              <a:solidFill>
+                                <a:srgbClr val="376092"/>
+                              </a:solidFill>
+                              <a:latin typeface="Cambria Math" panose="02040503050406030204" pitchFamily="18" charset="0"/>
+                            </a:rPr>
+                            <m:t>𝑦</m:t>
+                          </m:r>
+                        </m:e>
+                        <m:sup>
+                          <m:r>
+                            <a:rPr lang="fr-FR" sz="1600" b="0" i="0" smtClean="0">
+                              <a:solidFill>
+                                <a:srgbClr val="376092"/>
+                              </a:solidFill>
+                              <a:latin typeface="Cambria Math" panose="02040503050406030204" pitchFamily="18" charset="0"/>
+                            </a:rPr>
+                            <m:t>′</m:t>
+                          </m:r>
+                        </m:sup>
+                      </m:sSup>
+                      <m:r>
+                        <a:rPr lang="fr-FR" sz="1600" b="0" i="0" smtClean="0">
+                          <a:solidFill>
+                            <a:srgbClr val="376092"/>
+                          </a:solidFill>
+                          <a:latin typeface="Cambria Math" panose="02040503050406030204" pitchFamily="18" charset="0"/>
+                        </a:rPr>
+                        <m:t> </m:t>
+                      </m:r>
+                      <m:r>
+                        <m:rPr>
+                          <m:sty m:val="p"/>
+                        </m:rPr>
+                        <a:rPr lang="fr-FR" sz="1600" b="0" i="0" smtClean="0">
+                          <a:solidFill>
+                            <a:srgbClr val="376092"/>
+                          </a:solidFill>
+                          <a:latin typeface="Cambria Math" panose="02040503050406030204" pitchFamily="18" charset="0"/>
+                        </a:rPr>
+                        <m:t>d</m:t>
+                      </m:r>
+                      <m:r>
+                        <a:rPr lang="fr-FR" sz="1600" b="0" i="1" smtClean="0">
+                          <a:solidFill>
+                            <a:srgbClr val="376092"/>
+                          </a:solidFill>
+                          <a:latin typeface="Cambria Math" panose="02040503050406030204" pitchFamily="18" charset="0"/>
+                        </a:rPr>
+                        <m:t>𝛿𝛾</m:t>
+                      </m:r>
+                      <m:r>
+                        <a:rPr lang="fr-FR" sz="1600" b="0" i="1" smtClean="0">
+                          <a:solidFill>
+                            <a:srgbClr val="376092"/>
+                          </a:solidFill>
+                          <a:latin typeface="Cambria Math" panose="02040503050406030204" pitchFamily="18" charset="0"/>
+                        </a:rPr>
+                        <m:t>=1</m:t>
+                      </m:r>
+                    </m:oMath>
+                  </m:oMathPara>
+                </a14:m>
+                <a:endParaRPr lang="en-GB" sz="1600" i="1" kern="1200" dirty="0">
+                  <a:solidFill>
+                    <a:srgbClr val="254061"/>
+                  </a:solidFill>
+                  <a:latin typeface="Candara" panose="020E0502030303020204" pitchFamily="34" charset="0"/>
+                  <a:ea typeface="+mn-ea"/>
+                  <a:cs typeface="Courier New" panose="02070309020205020404" pitchFamily="49" charset="0"/>
+                </a:endParaRPr>
               </a:p>
             </p:txBody>
           </p:sp>
@@ -12962,7 +14312,7 @@
             <p:spPr>
               <a:xfrm>
                 <a:off x="254000" y="855907"/>
-                <a:ext cx="8651875" cy="3343479"/>
+                <a:ext cx="8651875" cy="3920432"/>
               </a:xfrm>
               <a:prstGeom prst="rect">
                 <a:avLst/>
@@ -12970,7 +14320,7 @@
               <a:blipFill>
                 <a:blip r:embed="rId2"/>
                 <a:stretch>
-                  <a:fillRect l="-423" t="-546" r="-352"/>
+                  <a:fillRect l="-423" t="-466" r="-352"/>
                 </a:stretch>
               </a:blipFill>
             </p:spPr>
@@ -13359,6 +14709,49 @@
                                           <p:spTgt spid="3">
                                             <p:txEl>
                                               <p:pRg st="9" end="9"/>
+                                            </p:txEl>
+                                          </p:spTgt>
+                                        </p:tgtEl>
+                                      </p:cBhvr>
+                                    </p:animEffect>
+                                  </p:childTnLst>
+                                </p:cTn>
+                              </p:par>
+                              <p:par>
+                                <p:cTn id="24" presetID="10" presetClass="entr" presetSubtype="0" fill="hold" nodeType="withEffect">
+                                  <p:stCondLst>
+                                    <p:cond delay="0"/>
+                                  </p:stCondLst>
+                                  <p:childTnLst>
+                                    <p:set>
+                                      <p:cBhvr>
+                                        <p:cTn id="25" dur="1" fill="hold">
+                                          <p:stCondLst>
+                                            <p:cond delay="0"/>
+                                          </p:stCondLst>
+                                        </p:cTn>
+                                        <p:tgtEl>
+                                          <p:spTgt spid="3">
+                                            <p:txEl>
+                                              <p:pRg st="10" end="10"/>
+                                            </p:txEl>
+                                          </p:spTgt>
+                                        </p:tgtEl>
+                                        <p:attrNameLst>
+                                          <p:attrName>style.visibility</p:attrName>
+                                        </p:attrNameLst>
+                                      </p:cBhvr>
+                                      <p:to>
+                                        <p:strVal val="visible"/>
+                                      </p:to>
+                                    </p:set>
+                                    <p:animEffect transition="in" filter="fade">
+                                      <p:cBhvr>
+                                        <p:cTn id="26" dur="500"/>
+                                        <p:tgtEl>
+                                          <p:spTgt spid="3">
+                                            <p:txEl>
+                                              <p:pRg st="10" end="10"/>
                                             </p:txEl>
                                           </p:spTgt>
                                         </p:tgtEl>
